--- a/Gaussian Processes for Machine Learning 3.pptx
+++ b/Gaussian Processes for Machine Learning 3.pptx
@@ -5,7 +5,7 @@
     <p:sldMasterId id="2147483660" r:id="rId1"/>
   </p:sldMasterIdLst>
   <p:notesMasterIdLst>
-    <p:notesMasterId r:id="rId49"/>
+    <p:notesMasterId r:id="rId50"/>
   </p:notesMasterIdLst>
   <p:sldIdLst>
     <p:sldId id="298" r:id="rId2"/>
@@ -53,8 +53,9 @@
     <p:sldId id="339" r:id="rId44"/>
     <p:sldId id="351" r:id="rId45"/>
     <p:sldId id="353" r:id="rId46"/>
-    <p:sldId id="354" r:id="rId47"/>
-    <p:sldId id="355" r:id="rId48"/>
+    <p:sldId id="365" r:id="rId47"/>
+    <p:sldId id="354" r:id="rId48"/>
+    <p:sldId id="355" r:id="rId49"/>
   </p:sldIdLst>
   <p:sldSz cx="12192000" cy="6858000"/>
   <p:notesSz cx="6858000" cy="9144000"/>
@@ -6773,7 +6774,7 @@
     </p:spTree>
     <p:extLst>
       <p:ext uri="{BB962C8B-B14F-4D97-AF65-F5344CB8AC3E}">
-        <p14:creationId xmlns:p14="http://schemas.microsoft.com/office/powerpoint/2010/main" val="2469487870"/>
+        <p14:creationId xmlns:p14="http://schemas.microsoft.com/office/powerpoint/2010/main" val="2486461832"/>
       </p:ext>
     </p:extLst>
   </p:cSld>
@@ -6905,6 +6906,159 @@
                 <a:defRPr/>
               </a:pPr>
               <a:t>47</a:t>
+            </a:fld>
+            <a:endParaRPr kumimoji="0" lang="en-US" sz="1200" b="0" i="0" u="none" strike="noStrike" kern="1200" cap="none" spc="0" normalizeH="0" baseline="0" noProof="0">
+              <a:ln>
+                <a:noFill/>
+              </a:ln>
+              <a:solidFill>
+                <a:prstClr val="black"/>
+              </a:solidFill>
+              <a:effectLst/>
+              <a:uLnTx/>
+              <a:uFillTx/>
+              <a:latin typeface="Calibri" panose="020F0502020204030204"/>
+              <a:ea typeface="+mn-ea"/>
+              <a:cs typeface="+mn-cs"/>
+            </a:endParaRPr>
+          </a:p>
+        </p:txBody>
+      </p:sp>
+    </p:spTree>
+    <p:extLst>
+      <p:ext uri="{BB962C8B-B14F-4D97-AF65-F5344CB8AC3E}">
+        <p14:creationId xmlns:p14="http://schemas.microsoft.com/office/powerpoint/2010/main" val="2469487870"/>
+      </p:ext>
+    </p:extLst>
+  </p:cSld>
+  <p:clrMapOvr>
+    <a:masterClrMapping/>
+  </p:clrMapOvr>
+</p:notes>
+</file>
+
+<file path=ppt/notesSlides/notesSlide48.xml><?xml version="1.0" encoding="utf-8"?>
+<p:notes xmlns:a="http://schemas.openxmlformats.org/drawingml/2006/main" xmlns:r="http://schemas.openxmlformats.org/officeDocument/2006/relationships" xmlns:p="http://schemas.openxmlformats.org/presentationml/2006/main">
+  <p:cSld>
+    <p:spTree>
+      <p:nvGrpSpPr>
+        <p:cNvPr id="1" name=""/>
+        <p:cNvGrpSpPr/>
+        <p:nvPr/>
+      </p:nvGrpSpPr>
+      <p:grpSpPr>
+        <a:xfrm>
+          <a:off x="0" y="0"/>
+          <a:ext cx="0" cy="0"/>
+          <a:chOff x="0" y="0"/>
+          <a:chExt cx="0" cy="0"/>
+        </a:xfrm>
+      </p:grpSpPr>
+      <p:sp>
+        <p:nvSpPr>
+          <p:cNvPr id="2" name="Slide Image Placeholder 1"/>
+          <p:cNvSpPr>
+            <a:spLocks noGrp="1" noRot="1" noChangeAspect="1"/>
+          </p:cNvSpPr>
+          <p:nvPr>
+            <p:ph type="sldImg"/>
+          </p:nvPr>
+        </p:nvSpPr>
+        <p:spPr>
+          <a:xfrm>
+            <a:off x="685800" y="1143000"/>
+            <a:ext cx="5486400" cy="3086100"/>
+          </a:xfrm>
+        </p:spPr>
+      </p:sp>
+      <p:sp>
+        <p:nvSpPr>
+          <p:cNvPr id="3" name="Notes Placeholder 2"/>
+          <p:cNvSpPr>
+            <a:spLocks noGrp="1"/>
+          </p:cNvSpPr>
+          <p:nvPr>
+            <p:ph type="body" idx="1"/>
+          </p:nvPr>
+        </p:nvSpPr>
+        <p:spPr/>
+        <p:txBody>
+          <a:bodyPr/>
+          <a:lstStyle/>
+          <a:p>
+            <a:pPr marL="171450" indent="-171450">
+              <a:buFont typeface="Arial" panose="020B0604020202020204" pitchFamily="34" charset="0"/>
+              <a:buChar char="•"/>
+            </a:pPr>
+            <a:endParaRPr lang="en-US" dirty="0"/>
+          </a:p>
+        </p:txBody>
+      </p:sp>
+      <p:sp>
+        <p:nvSpPr>
+          <p:cNvPr id="4" name="Slide Number Placeholder 3"/>
+          <p:cNvSpPr>
+            <a:spLocks noGrp="1"/>
+          </p:cNvSpPr>
+          <p:nvPr>
+            <p:ph type="sldNum" sz="quarter" idx="10"/>
+          </p:nvPr>
+        </p:nvSpPr>
+        <p:spPr/>
+        <p:txBody>
+          <a:bodyPr/>
+          <a:lstStyle/>
+          <a:p>
+            <a:pPr marL="0" marR="0" lvl="0" indent="0" algn="r" defTabSz="914400" rtl="0" eaLnBrk="1" fontAlgn="auto" latinLnBrk="0" hangingPunct="1">
+              <a:lnSpc>
+                <a:spcPct val="100000"/>
+              </a:lnSpc>
+              <a:spcBef>
+                <a:spcPts val="0"/>
+              </a:spcBef>
+              <a:spcAft>
+                <a:spcPts val="0"/>
+              </a:spcAft>
+              <a:buClrTx/>
+              <a:buSzTx/>
+              <a:buFontTx/>
+              <a:buNone/>
+              <a:tabLst/>
+              <a:defRPr/>
+            </a:pPr>
+            <a:fld id="{B8775EFD-0084-F54A-A5EE-DCDBDF5C4CA2}" type="slidenum">
+              <a:rPr kumimoji="0" lang="en-US" sz="1200" b="0" i="0" u="none" strike="noStrike" kern="1200" cap="none" spc="0" normalizeH="0" baseline="0" noProof="0" smtClean="0">
+                <a:ln>
+                  <a:noFill/>
+                </a:ln>
+                <a:solidFill>
+                  <a:prstClr val="black"/>
+                </a:solidFill>
+                <a:effectLst/>
+                <a:uLnTx/>
+                <a:uFillTx/>
+                <a:latin typeface="Calibri" panose="020F0502020204030204"/>
+                <a:ea typeface="+mn-ea"/>
+                <a:cs typeface="+mn-cs"/>
+              </a:rPr>
+              <a:pPr marL="0" marR="0" lvl="0" indent="0" algn="r" defTabSz="914400" rtl="0" eaLnBrk="1" fontAlgn="auto" latinLnBrk="0" hangingPunct="1">
+                <a:lnSpc>
+                  <a:spcPct val="100000"/>
+                </a:lnSpc>
+                <a:spcBef>
+                  <a:spcPts val="0"/>
+                </a:spcBef>
+                <a:spcAft>
+                  <a:spcPts val="0"/>
+                </a:spcAft>
+                <a:buClrTx/>
+                <a:buSzTx/>
+                <a:buFontTx/>
+                <a:buNone/>
+                <a:tabLst/>
+                <a:defRPr/>
+              </a:pPr>
+              <a:t>48</a:t>
             </a:fld>
             <a:endParaRPr kumimoji="0" lang="en-US" sz="1200" b="0" i="0" u="none" strike="noStrike" kern="1200" cap="none" spc="0" normalizeH="0" baseline="0" noProof="0">
               <a:ln>
@@ -45335,7 +45489,7 @@
                 <a:ea typeface="+mn-ea"/>
                 <a:cs typeface="Helvetica"/>
               </a:rPr>
-              <a:t>Why are Gaussian processes useful and important?</a:t>
+              <a:t>Prediction with noisy observations</a:t>
             </a:r>
           </a:p>
         </p:txBody>
@@ -45381,191 +45535,73 @@
       </p:sp>
       <p:sp>
         <p:nvSpPr>
-          <p:cNvPr id="5" name="Rectangle 4">
-            <a:extLst>
-              <a:ext uri="{FF2B5EF4-FFF2-40B4-BE49-F238E27FC236}">
-                <a16:creationId xmlns:a16="http://schemas.microsoft.com/office/drawing/2014/main" id="{B2AE7EA7-A23F-45B1-97C9-5795B5AEF791}"/>
-              </a:ext>
-            </a:extLst>
-          </p:cNvPr>
-          <p:cNvSpPr/>
-          <p:nvPr/>
-        </p:nvSpPr>
-        <p:spPr>
-          <a:xfrm>
-            <a:off x="420414" y="1378256"/>
-            <a:ext cx="10463048" cy="4524315"/>
-          </a:xfrm>
-          <a:prstGeom prst="rect">
-            <a:avLst/>
-          </a:prstGeom>
-        </p:spPr>
-        <p:txBody>
-          <a:bodyPr wrap="square">
+          <p:cNvPr id="18" name="TextBox 17">
+            <a:extLst>
+              <a:ext uri="{FF2B5EF4-FFF2-40B4-BE49-F238E27FC236}">
+                <a16:creationId xmlns:a16="http://schemas.microsoft.com/office/drawing/2014/main" id="{B17CF8CF-279A-4512-B013-F156FE07DB3E}"/>
+              </a:ext>
+            </a:extLst>
+          </p:cNvPr>
+          <p:cNvSpPr txBox="1"/>
+          <p:nvPr/>
+        </p:nvSpPr>
+        <p:spPr>
+          <a:xfrm>
+            <a:off x="5603379" y="1490900"/>
+            <a:ext cx="3259389" cy="369332"/>
+          </a:xfrm>
+          <a:prstGeom prst="rect">
+            <a:avLst/>
+          </a:prstGeom>
+          <a:noFill/>
+        </p:spPr>
+        <p:txBody>
+          <a:bodyPr wrap="square" rtlCol="0">
             <a:spAutoFit/>
           </a:bodyPr>
           <a:lstStyle/>
           <a:p>
-            <a:pPr marL="285750" indent="-285750">
-              <a:buFont typeface="Arial" panose="020B0604020202020204" pitchFamily="34" charset="0"/>
-              <a:buChar char="•"/>
-            </a:pPr>
-            <a:r>
-              <a:rPr lang="en-US" b="1" dirty="0"/>
-              <a:t>Flexible tool </a:t>
-            </a:r>
             <a:r>
               <a:rPr lang="en-US" dirty="0"/>
-              <a:t>that can be applied to a wide variety of problems, including both regression and classification</a:t>
+              <a:t>Predictions</a:t>
             </a:r>
           </a:p>
-          <a:p>
-            <a:pPr marL="742950" lvl="1" indent="-285750">
-              <a:buFont typeface="Courier New" panose="02070309020205020404" pitchFamily="49" charset="0"/>
-              <a:buChar char="o"/>
-            </a:pPr>
-            <a:r>
-              <a:rPr lang="en-US" dirty="0"/>
-              <a:t>e.g. continuous approximation to latent space in VAEs for molecular discovery paper from last week</a:t>
-            </a:r>
-          </a:p>
-          <a:p>
-            <a:pPr marL="742950" lvl="1" indent="-285750">
-              <a:buFont typeface="Courier New" panose="02070309020205020404" pitchFamily="49" charset="0"/>
-              <a:buChar char="o"/>
-            </a:pPr>
-            <a:r>
-              <a:rPr lang="en-US" dirty="0"/>
-              <a:t>kernels can be chosen based on the problem at hand, and they can be composed together</a:t>
-            </a:r>
-          </a:p>
-          <a:p>
-            <a:pPr marL="1200150" lvl="2" indent="-285750">
-              <a:buFont typeface="Courier New" panose="02070309020205020404" pitchFamily="49" charset="0"/>
-              <a:buChar char="o"/>
-            </a:pPr>
-            <a:r>
-              <a:rPr lang="en-US" dirty="0"/>
-              <a:t>Deep GPs can yield automatic kernel learning</a:t>
-            </a:r>
-          </a:p>
-          <a:p>
-            <a:pPr marL="742950" lvl="1" indent="-285750">
-              <a:buFont typeface="Courier New" panose="02070309020205020404" pitchFamily="49" charset="0"/>
-              <a:buChar char="o"/>
-            </a:pPr>
-            <a:endParaRPr lang="en-US" dirty="0"/>
-          </a:p>
-          <a:p>
-            <a:pPr marL="285750" indent="-285750">
-              <a:buFont typeface="Arial" panose="020B0604020202020204" pitchFamily="34" charset="0"/>
-              <a:buChar char="•"/>
-            </a:pPr>
-            <a:r>
-              <a:rPr lang="en-US" dirty="0"/>
-              <a:t>Provide </a:t>
-            </a:r>
-            <a:r>
-              <a:rPr lang="en-US" b="1" dirty="0"/>
-              <a:t>well-behaved uncertainty measurements</a:t>
-            </a:r>
-          </a:p>
-          <a:p>
-            <a:pPr marL="742950" lvl="1" indent="-285750">
-              <a:buFont typeface="Courier New" panose="02070309020205020404" pitchFamily="49" charset="0"/>
-              <a:buChar char="o"/>
-            </a:pPr>
-            <a:r>
-              <a:rPr lang="en-US" dirty="0"/>
-              <a:t>unlike other models such as many neural networks</a:t>
-            </a:r>
-          </a:p>
-          <a:p>
-            <a:pPr marL="742950" lvl="1" indent="-285750">
-              <a:buFont typeface="Courier New" panose="02070309020205020404" pitchFamily="49" charset="0"/>
-              <a:buChar char="o"/>
-            </a:pPr>
-            <a:endParaRPr lang="en-US" dirty="0"/>
-          </a:p>
-          <a:p>
-            <a:pPr marL="285750" indent="-285750">
-              <a:buFont typeface="Arial" panose="020B0604020202020204" pitchFamily="34" charset="0"/>
-              <a:buChar char="•"/>
-            </a:pPr>
-            <a:r>
-              <a:rPr lang="en-US" dirty="0"/>
-              <a:t>Other widely-used models are a </a:t>
-            </a:r>
-            <a:r>
-              <a:rPr lang="en-US" b="1" dirty="0"/>
-              <a:t>special case </a:t>
-            </a:r>
-            <a:r>
-              <a:rPr lang="en-US" dirty="0"/>
-              <a:t>of Gaussian processes</a:t>
-            </a:r>
-          </a:p>
-          <a:p>
-            <a:pPr marL="742950" lvl="1" indent="-285750">
-              <a:buFont typeface="Courier New" panose="02070309020205020404" pitchFamily="49" charset="0"/>
-              <a:buChar char="o"/>
-            </a:pPr>
-            <a:r>
-              <a:rPr lang="en-US" dirty="0"/>
-              <a:t>a single hidden layer neural network converges to a Gaussian process in the limit of an infinite number of hidden neurons and with a Gaussian prior on the weights</a:t>
-            </a:r>
-          </a:p>
-          <a:p>
-            <a:pPr marL="742950" lvl="1" indent="-285750">
-              <a:buFont typeface="Courier New" panose="02070309020205020404" pitchFamily="49" charset="0"/>
-              <a:buChar char="o"/>
-            </a:pPr>
-            <a:r>
-              <a:rPr lang="en-US" dirty="0"/>
-              <a:t>equivalent to Bayesian linear regression with a (possibly) infinite number of basis functions</a:t>
-            </a:r>
-          </a:p>
-          <a:p>
-            <a:pPr marL="742950" lvl="1" indent="-285750">
-              <a:buFont typeface="Courier New" panose="02070309020205020404" pitchFamily="49" charset="0"/>
-              <a:buChar char="o"/>
-            </a:pPr>
-            <a:endParaRPr lang="en-US" dirty="0"/>
-          </a:p>
-          <a:p>
-            <a:pPr marL="285750" indent="-285750">
-              <a:buFont typeface="Arial" panose="020B0604020202020204" pitchFamily="34" charset="0"/>
-              <a:buChar char="•"/>
-            </a:pPr>
-            <a:r>
-              <a:rPr lang="en-US" dirty="0"/>
-              <a:t>Nonparametric model has </a:t>
-            </a:r>
-            <a:r>
-              <a:rPr lang="en-US" b="1" dirty="0"/>
-              <a:t>infinite capacity</a:t>
-            </a:r>
-          </a:p>
-          <a:p>
-            <a:pPr marL="742950" lvl="1" indent="-285750">
-              <a:buFont typeface="Courier New" panose="02070309020205020404" pitchFamily="49" charset="0"/>
-              <a:buChar char="o"/>
-            </a:pPr>
-            <a:endParaRPr lang="en-US" dirty="0"/>
-          </a:p>
-          <a:p>
-            <a:pPr marL="285750" indent="-285750">
-              <a:buFont typeface="Arial" panose="020B0604020202020204" pitchFamily="34" charset="0"/>
-              <a:buChar char="•"/>
-            </a:pPr>
-            <a:endParaRPr lang="en-US" dirty="0"/>
-          </a:p>
-        </p:txBody>
-      </p:sp>
+        </p:txBody>
+      </p:sp>
+      <p:pic>
+        <p:nvPicPr>
+          <p:cNvPr id="4" name="Picture 3">
+            <a:extLst>
+              <a:ext uri="{FF2B5EF4-FFF2-40B4-BE49-F238E27FC236}">
+                <a16:creationId xmlns:a16="http://schemas.microsoft.com/office/drawing/2014/main" id="{29882860-0FBB-4639-93DC-72F494DBEAD4}"/>
+              </a:ext>
+            </a:extLst>
+          </p:cNvPr>
+          <p:cNvPicPr>
+            <a:picLocks noChangeAspect="1"/>
+          </p:cNvPicPr>
+          <p:nvPr/>
+        </p:nvPicPr>
+        <p:blipFill>
+          <a:blip r:embed="rId4"/>
+          <a:stretch>
+            <a:fillRect/>
+          </a:stretch>
+        </p:blipFill>
+        <p:spPr>
+          <a:xfrm>
+            <a:off x="3398044" y="1883066"/>
+            <a:ext cx="5395912" cy="3510822"/>
+          </a:xfrm>
+          <a:prstGeom prst="rect">
+            <a:avLst/>
+          </a:prstGeom>
+        </p:spPr>
+      </p:pic>
     </p:spTree>
     <p:extLst>
       <p:ext uri="{BB962C8B-B14F-4D97-AF65-F5344CB8AC3E}">
-        <p14:creationId xmlns:p14="http://schemas.microsoft.com/office/powerpoint/2010/main" val="1720280380"/>
+        <p14:creationId xmlns:p14="http://schemas.microsoft.com/office/powerpoint/2010/main" val="3876903729"/>
       </p:ext>
     </p:extLst>
   </p:cSld>
@@ -45854,6 +45890,607 @@
                 <a:defRPr/>
               </a:pPr>
               <a:t>47</a:t>
+            </a:fld>
+            <a:endParaRPr kumimoji="0" lang="en-US" sz="1200" b="0" i="0" u="none" strike="noStrike" kern="1200" cap="none" spc="0" normalizeH="0" baseline="0" noProof="0" dirty="0">
+              <a:ln>
+                <a:noFill/>
+              </a:ln>
+              <a:solidFill>
+                <a:prstClr val="black">
+                  <a:tint val="75000"/>
+                </a:prstClr>
+              </a:solidFill>
+              <a:effectLst/>
+              <a:uLnTx/>
+              <a:uFillTx/>
+              <a:latin typeface="Calibri" panose="020F0502020204030204"/>
+              <a:ea typeface="+mn-ea"/>
+              <a:cs typeface="+mn-cs"/>
+            </a:endParaRPr>
+          </a:p>
+        </p:txBody>
+      </p:sp>
+      <p:sp>
+        <p:nvSpPr>
+          <p:cNvPr id="14" name="TextBox 13">
+            <a:extLst>
+              <a:ext uri="{FF2B5EF4-FFF2-40B4-BE49-F238E27FC236}">
+                <a16:creationId xmlns:a16="http://schemas.microsoft.com/office/drawing/2014/main" id="{BA419EFB-529E-4038-9AC0-97D8E339373C}"/>
+              </a:ext>
+            </a:extLst>
+          </p:cNvPr>
+          <p:cNvSpPr txBox="1">
+            <a:spLocks/>
+          </p:cNvSpPr>
+          <p:nvPr/>
+        </p:nvSpPr>
+        <p:spPr>
+          <a:xfrm>
+            <a:off x="145059" y="337193"/>
+            <a:ext cx="10916641" cy="523220"/>
+          </a:xfrm>
+          <a:prstGeom prst="rect">
+            <a:avLst/>
+          </a:prstGeom>
+          <a:noFill/>
+        </p:spPr>
+        <p:txBody>
+          <a:bodyPr wrap="square" rtlCol="0">
+            <a:spAutoFit/>
+          </a:bodyPr>
+          <a:lstStyle/>
+          <a:p>
+            <a:pPr marL="0" marR="0" lvl="0" indent="0" defTabSz="914400" rtl="0" eaLnBrk="1" fontAlgn="auto" latinLnBrk="0" hangingPunct="1">
+              <a:lnSpc>
+                <a:spcPct val="100000"/>
+              </a:lnSpc>
+              <a:spcBef>
+                <a:spcPts val="0"/>
+              </a:spcBef>
+              <a:spcAft>
+                <a:spcPts val="0"/>
+              </a:spcAft>
+              <a:buClrTx/>
+              <a:buSzTx/>
+              <a:buFontTx/>
+              <a:buNone/>
+              <a:tabLst/>
+              <a:defRPr/>
+            </a:pPr>
+            <a:r>
+              <a:rPr kumimoji="0" lang="en-US" sz="2800" b="1" i="0" u="none" strike="noStrike" kern="1200" cap="none" spc="0" normalizeH="0" baseline="0" noProof="0" dirty="0">
+                <a:ln>
+                  <a:noFill/>
+                </a:ln>
+                <a:solidFill>
+                  <a:prstClr val="black"/>
+                </a:solidFill>
+                <a:effectLst/>
+                <a:uLnTx/>
+                <a:uFillTx/>
+                <a:latin typeface="Helvetica"/>
+                <a:ea typeface="+mn-ea"/>
+                <a:cs typeface="Helvetica"/>
+              </a:rPr>
+              <a:t>Why are Gaussian processes useful and important?</a:t>
+            </a:r>
+          </a:p>
+        </p:txBody>
+      </p:sp>
+      <p:sp>
+        <p:nvSpPr>
+          <p:cNvPr id="15" name="TextBox 14">
+            <a:extLst>
+              <a:ext uri="{FF2B5EF4-FFF2-40B4-BE49-F238E27FC236}">
+                <a16:creationId xmlns:a16="http://schemas.microsoft.com/office/drawing/2014/main" id="{238D6FC8-3597-46BB-8689-D9242959AEAA}"/>
+              </a:ext>
+            </a:extLst>
+          </p:cNvPr>
+          <p:cNvSpPr txBox="1"/>
+          <p:nvPr/>
+        </p:nvSpPr>
+        <p:spPr>
+          <a:xfrm>
+            <a:off x="4426484" y="6243808"/>
+            <a:ext cx="7514898" cy="276999"/>
+          </a:xfrm>
+          <a:prstGeom prst="rect">
+            <a:avLst/>
+          </a:prstGeom>
+          <a:noFill/>
+        </p:spPr>
+        <p:txBody>
+          <a:bodyPr wrap="square" rtlCol="0">
+            <a:spAutoFit/>
+          </a:bodyPr>
+          <a:lstStyle/>
+          <a:p>
+            <a:r>
+              <a:rPr lang="en-US" sz="1200" dirty="0">
+                <a:solidFill>
+                  <a:schemeClr val="bg1"/>
+                </a:solidFill>
+              </a:rPr>
+              <a:t>C. E. Rasmussen &amp; C. K. I. Williams, Gaussian Processes for Machine Learning, the MIT Press, 2006, ISBN 026218253X.</a:t>
+            </a:r>
+          </a:p>
+        </p:txBody>
+      </p:sp>
+      <p:sp>
+        <p:nvSpPr>
+          <p:cNvPr id="5" name="Rectangle 4">
+            <a:extLst>
+              <a:ext uri="{FF2B5EF4-FFF2-40B4-BE49-F238E27FC236}">
+                <a16:creationId xmlns:a16="http://schemas.microsoft.com/office/drawing/2014/main" id="{B2AE7EA7-A23F-45B1-97C9-5795B5AEF791}"/>
+              </a:ext>
+            </a:extLst>
+          </p:cNvPr>
+          <p:cNvSpPr/>
+          <p:nvPr/>
+        </p:nvSpPr>
+        <p:spPr>
+          <a:xfrm>
+            <a:off x="420414" y="1378256"/>
+            <a:ext cx="10463048" cy="4524315"/>
+          </a:xfrm>
+          <a:prstGeom prst="rect">
+            <a:avLst/>
+          </a:prstGeom>
+        </p:spPr>
+        <p:txBody>
+          <a:bodyPr wrap="square">
+            <a:spAutoFit/>
+          </a:bodyPr>
+          <a:lstStyle/>
+          <a:p>
+            <a:pPr marL="285750" indent="-285750">
+              <a:buFont typeface="Arial" panose="020B0604020202020204" pitchFamily="34" charset="0"/>
+              <a:buChar char="•"/>
+            </a:pPr>
+            <a:r>
+              <a:rPr lang="en-US" b="1" dirty="0"/>
+              <a:t>Flexible tool </a:t>
+            </a:r>
+            <a:r>
+              <a:rPr lang="en-US" dirty="0"/>
+              <a:t>that can be applied to a wide variety of problems, including both regression and classification</a:t>
+            </a:r>
+          </a:p>
+          <a:p>
+            <a:pPr marL="742950" lvl="1" indent="-285750">
+              <a:buFont typeface="Courier New" panose="02070309020205020404" pitchFamily="49" charset="0"/>
+              <a:buChar char="o"/>
+            </a:pPr>
+            <a:r>
+              <a:rPr lang="en-US" dirty="0"/>
+              <a:t>e.g. continuous approximation to latent space in VAEs for molecular discovery paper from last week</a:t>
+            </a:r>
+          </a:p>
+          <a:p>
+            <a:pPr marL="742950" lvl="1" indent="-285750">
+              <a:buFont typeface="Courier New" panose="02070309020205020404" pitchFamily="49" charset="0"/>
+              <a:buChar char="o"/>
+            </a:pPr>
+            <a:r>
+              <a:rPr lang="en-US" dirty="0"/>
+              <a:t>kernels can be chosen based on the problem at hand, and they can be composed together</a:t>
+            </a:r>
+          </a:p>
+          <a:p>
+            <a:pPr marL="1200150" lvl="2" indent="-285750">
+              <a:buFont typeface="Courier New" panose="02070309020205020404" pitchFamily="49" charset="0"/>
+              <a:buChar char="o"/>
+            </a:pPr>
+            <a:r>
+              <a:rPr lang="en-US" dirty="0"/>
+              <a:t>Deep GPs can yield automatic kernel learning</a:t>
+            </a:r>
+          </a:p>
+          <a:p>
+            <a:pPr marL="742950" lvl="1" indent="-285750">
+              <a:buFont typeface="Courier New" panose="02070309020205020404" pitchFamily="49" charset="0"/>
+              <a:buChar char="o"/>
+            </a:pPr>
+            <a:endParaRPr lang="en-US" dirty="0"/>
+          </a:p>
+          <a:p>
+            <a:pPr marL="285750" indent="-285750">
+              <a:buFont typeface="Arial" panose="020B0604020202020204" pitchFamily="34" charset="0"/>
+              <a:buChar char="•"/>
+            </a:pPr>
+            <a:r>
+              <a:rPr lang="en-US" dirty="0"/>
+              <a:t>Provide </a:t>
+            </a:r>
+            <a:r>
+              <a:rPr lang="en-US" b="1" dirty="0"/>
+              <a:t>well-behaved uncertainty measurements</a:t>
+            </a:r>
+          </a:p>
+          <a:p>
+            <a:pPr marL="742950" lvl="1" indent="-285750">
+              <a:buFont typeface="Courier New" panose="02070309020205020404" pitchFamily="49" charset="0"/>
+              <a:buChar char="o"/>
+            </a:pPr>
+            <a:r>
+              <a:rPr lang="en-US" dirty="0"/>
+              <a:t>unlike other models such as many neural networks</a:t>
+            </a:r>
+          </a:p>
+          <a:p>
+            <a:pPr marL="742950" lvl="1" indent="-285750">
+              <a:buFont typeface="Courier New" panose="02070309020205020404" pitchFamily="49" charset="0"/>
+              <a:buChar char="o"/>
+            </a:pPr>
+            <a:endParaRPr lang="en-US" dirty="0"/>
+          </a:p>
+          <a:p>
+            <a:pPr marL="285750" indent="-285750">
+              <a:buFont typeface="Arial" panose="020B0604020202020204" pitchFamily="34" charset="0"/>
+              <a:buChar char="•"/>
+            </a:pPr>
+            <a:r>
+              <a:rPr lang="en-US" dirty="0"/>
+              <a:t>Other widely-used models are a </a:t>
+            </a:r>
+            <a:r>
+              <a:rPr lang="en-US" b="1" dirty="0"/>
+              <a:t>special case </a:t>
+            </a:r>
+            <a:r>
+              <a:rPr lang="en-US" dirty="0"/>
+              <a:t>of Gaussian processes</a:t>
+            </a:r>
+          </a:p>
+          <a:p>
+            <a:pPr marL="742950" lvl="1" indent="-285750">
+              <a:buFont typeface="Courier New" panose="02070309020205020404" pitchFamily="49" charset="0"/>
+              <a:buChar char="o"/>
+            </a:pPr>
+            <a:r>
+              <a:rPr lang="en-US" dirty="0"/>
+              <a:t>a single hidden layer neural network converges to a Gaussian process in the limit of an infinite number of hidden neurons and with a Gaussian prior on the weights</a:t>
+            </a:r>
+          </a:p>
+          <a:p>
+            <a:pPr marL="742950" lvl="1" indent="-285750">
+              <a:buFont typeface="Courier New" panose="02070309020205020404" pitchFamily="49" charset="0"/>
+              <a:buChar char="o"/>
+            </a:pPr>
+            <a:r>
+              <a:rPr lang="en-US" dirty="0"/>
+              <a:t>equivalent to Bayesian linear regression with a (possibly) infinite number of basis functions</a:t>
+            </a:r>
+          </a:p>
+          <a:p>
+            <a:pPr marL="742950" lvl="1" indent="-285750">
+              <a:buFont typeface="Courier New" panose="02070309020205020404" pitchFamily="49" charset="0"/>
+              <a:buChar char="o"/>
+            </a:pPr>
+            <a:endParaRPr lang="en-US" dirty="0"/>
+          </a:p>
+          <a:p>
+            <a:pPr marL="285750" indent="-285750">
+              <a:buFont typeface="Arial" panose="020B0604020202020204" pitchFamily="34" charset="0"/>
+              <a:buChar char="•"/>
+            </a:pPr>
+            <a:r>
+              <a:rPr lang="en-US" dirty="0"/>
+              <a:t>Nonparametric model has </a:t>
+            </a:r>
+            <a:r>
+              <a:rPr lang="en-US" b="1" dirty="0"/>
+              <a:t>infinite capacity</a:t>
+            </a:r>
+          </a:p>
+          <a:p>
+            <a:pPr marL="742950" lvl="1" indent="-285750">
+              <a:buFont typeface="Courier New" panose="02070309020205020404" pitchFamily="49" charset="0"/>
+              <a:buChar char="o"/>
+            </a:pPr>
+            <a:endParaRPr lang="en-US" dirty="0"/>
+          </a:p>
+          <a:p>
+            <a:pPr marL="285750" indent="-285750">
+              <a:buFont typeface="Arial" panose="020B0604020202020204" pitchFamily="34" charset="0"/>
+              <a:buChar char="•"/>
+            </a:pPr>
+            <a:endParaRPr lang="en-US" dirty="0"/>
+          </a:p>
+        </p:txBody>
+      </p:sp>
+    </p:spTree>
+    <p:extLst>
+      <p:ext uri="{BB962C8B-B14F-4D97-AF65-F5344CB8AC3E}">
+        <p14:creationId xmlns:p14="http://schemas.microsoft.com/office/powerpoint/2010/main" val="1720280380"/>
+      </p:ext>
+    </p:extLst>
+  </p:cSld>
+  <p:clrMapOvr>
+    <a:masterClrMapping/>
+  </p:clrMapOvr>
+</p:sld>
+</file>
+
+<file path=ppt/slides/slide48.xml><?xml version="1.0" encoding="utf-8"?>
+<p:sld xmlns:a="http://schemas.openxmlformats.org/drawingml/2006/main" xmlns:r="http://schemas.openxmlformats.org/officeDocument/2006/relationships" xmlns:p="http://schemas.openxmlformats.org/presentationml/2006/main">
+  <p:cSld>
+    <p:spTree>
+      <p:nvGrpSpPr>
+        <p:cNvPr id="1" name=""/>
+        <p:cNvGrpSpPr/>
+        <p:nvPr/>
+      </p:nvGrpSpPr>
+      <p:grpSpPr>
+        <a:xfrm>
+          <a:off x="0" y="0"/>
+          <a:ext cx="0" cy="0"/>
+          <a:chOff x="0" y="0"/>
+          <a:chExt cx="0" cy="0"/>
+        </a:xfrm>
+      </p:grpSpPr>
+      <p:sp>
+        <p:nvSpPr>
+          <p:cNvPr id="12" name="Rectangle 11"/>
+          <p:cNvSpPr/>
+          <p:nvPr/>
+        </p:nvSpPr>
+        <p:spPr>
+          <a:xfrm>
+            <a:off x="0" y="6220974"/>
+            <a:ext cx="12192000" cy="635876"/>
+          </a:xfrm>
+          <a:prstGeom prst="rect">
+            <a:avLst/>
+          </a:prstGeom>
+          <a:gradFill flip="none" rotWithShape="1">
+            <a:gsLst>
+              <a:gs pos="0">
+                <a:srgbClr val="8A0000"/>
+              </a:gs>
+              <a:gs pos="100000">
+                <a:srgbClr val="440000"/>
+              </a:gs>
+            </a:gsLst>
+            <a:lin ang="0" scaled="0"/>
+            <a:tileRect/>
+          </a:gradFill>
+          <a:ln>
+            <a:noFill/>
+          </a:ln>
+          <a:effectLst/>
+        </p:spPr>
+        <p:style>
+          <a:lnRef idx="1">
+            <a:schemeClr val="accent1"/>
+          </a:lnRef>
+          <a:fillRef idx="3">
+            <a:schemeClr val="accent1"/>
+          </a:fillRef>
+          <a:effectRef idx="2">
+            <a:schemeClr val="accent1"/>
+          </a:effectRef>
+          <a:fontRef idx="minor">
+            <a:schemeClr val="lt1"/>
+          </a:fontRef>
+        </p:style>
+        <p:txBody>
+          <a:bodyPr rtlCol="0" anchor="ctr"/>
+          <a:lstStyle/>
+          <a:p>
+            <a:pPr marL="0" marR="0" lvl="0" indent="0" algn="ctr" defTabSz="914400" rtl="0" eaLnBrk="1" fontAlgn="auto" latinLnBrk="0" hangingPunct="1">
+              <a:lnSpc>
+                <a:spcPct val="100000"/>
+              </a:lnSpc>
+              <a:spcBef>
+                <a:spcPts val="0"/>
+              </a:spcBef>
+              <a:spcAft>
+                <a:spcPts val="0"/>
+              </a:spcAft>
+              <a:buClrTx/>
+              <a:buSzTx/>
+              <a:buFontTx/>
+              <a:buNone/>
+              <a:tabLst/>
+              <a:defRPr/>
+            </a:pPr>
+            <a:endParaRPr kumimoji="0" lang="en-US" sz="1800" b="0" i="0" u="none" strike="noStrike" kern="1200" cap="none" spc="0" normalizeH="0" baseline="0" noProof="0">
+              <a:ln>
+                <a:noFill/>
+              </a:ln>
+              <a:solidFill>
+                <a:prstClr val="white"/>
+              </a:solidFill>
+              <a:effectLst/>
+              <a:uLnTx/>
+              <a:uFillTx/>
+              <a:latin typeface="Calibri" panose="020F0502020204030204"/>
+              <a:ea typeface="+mn-ea"/>
+              <a:cs typeface="+mn-cs"/>
+            </a:endParaRPr>
+          </a:p>
+        </p:txBody>
+      </p:sp>
+      <p:pic>
+        <p:nvPicPr>
+          <p:cNvPr id="17" name="Picture 16"/>
+          <p:cNvPicPr>
+            <a:picLocks noChangeAspect="1"/>
+          </p:cNvPicPr>
+          <p:nvPr/>
+        </p:nvPicPr>
+        <p:blipFill>
+          <a:blip r:embed="rId3"/>
+          <a:stretch>
+            <a:fillRect/>
+          </a:stretch>
+        </p:blipFill>
+        <p:spPr>
+          <a:xfrm>
+            <a:off x="145059" y="6356350"/>
+            <a:ext cx="2091960" cy="420605"/>
+          </a:xfrm>
+          <a:prstGeom prst="rect">
+            <a:avLst/>
+          </a:prstGeom>
+        </p:spPr>
+      </p:pic>
+      <p:sp>
+        <p:nvSpPr>
+          <p:cNvPr id="8" name="Rectangle 7"/>
+          <p:cNvSpPr/>
+          <p:nvPr/>
+        </p:nvSpPr>
+        <p:spPr>
+          <a:xfrm>
+            <a:off x="0" y="0"/>
+            <a:ext cx="12192000" cy="136525"/>
+          </a:xfrm>
+          <a:prstGeom prst="rect">
+            <a:avLst/>
+          </a:prstGeom>
+          <a:gradFill flip="none" rotWithShape="1">
+            <a:gsLst>
+              <a:gs pos="0">
+                <a:srgbClr val="8A0000"/>
+              </a:gs>
+              <a:gs pos="100000">
+                <a:srgbClr val="440000"/>
+              </a:gs>
+            </a:gsLst>
+            <a:lin ang="0" scaled="0"/>
+            <a:tileRect/>
+          </a:gradFill>
+          <a:ln>
+            <a:noFill/>
+          </a:ln>
+          <a:effectLst/>
+        </p:spPr>
+        <p:style>
+          <a:lnRef idx="1">
+            <a:schemeClr val="accent1"/>
+          </a:lnRef>
+          <a:fillRef idx="3">
+            <a:schemeClr val="accent1"/>
+          </a:fillRef>
+          <a:effectRef idx="2">
+            <a:schemeClr val="accent1"/>
+          </a:effectRef>
+          <a:fontRef idx="minor">
+            <a:schemeClr val="lt1"/>
+          </a:fontRef>
+        </p:style>
+        <p:txBody>
+          <a:bodyPr rtlCol="0" anchor="ctr"/>
+          <a:lstStyle/>
+          <a:p>
+            <a:pPr marL="0" marR="0" lvl="0" indent="0" algn="ctr" defTabSz="914400" rtl="0" eaLnBrk="1" fontAlgn="auto" latinLnBrk="0" hangingPunct="1">
+              <a:lnSpc>
+                <a:spcPct val="100000"/>
+              </a:lnSpc>
+              <a:spcBef>
+                <a:spcPts val="0"/>
+              </a:spcBef>
+              <a:spcAft>
+                <a:spcPts val="0"/>
+              </a:spcAft>
+              <a:buClrTx/>
+              <a:buSzTx/>
+              <a:buFontTx/>
+              <a:buNone/>
+              <a:tabLst/>
+              <a:defRPr/>
+            </a:pPr>
+            <a:endParaRPr kumimoji="0" lang="en-US" sz="1800" b="0" i="0" u="none" strike="noStrike" kern="1200" cap="none" spc="0" normalizeH="0" baseline="0" noProof="0">
+              <a:ln>
+                <a:noFill/>
+              </a:ln>
+              <a:solidFill>
+                <a:prstClr val="white"/>
+              </a:solidFill>
+              <a:effectLst/>
+              <a:uLnTx/>
+              <a:uFillTx/>
+              <a:latin typeface="Calibri" panose="020F0502020204030204"/>
+              <a:ea typeface="+mn-ea"/>
+              <a:cs typeface="+mn-cs"/>
+            </a:endParaRPr>
+          </a:p>
+        </p:txBody>
+      </p:sp>
+      <p:sp>
+        <p:nvSpPr>
+          <p:cNvPr id="2" name="Slide Number Placeholder 1"/>
+          <p:cNvSpPr>
+            <a:spLocks noGrp="1"/>
+          </p:cNvSpPr>
+          <p:nvPr>
+            <p:ph type="sldNum" sz="quarter" idx="12"/>
+          </p:nvPr>
+        </p:nvSpPr>
+        <p:spPr>
+          <a:xfrm>
+            <a:off x="9250680" y="6356350"/>
+            <a:ext cx="2743200" cy="365125"/>
+          </a:xfrm>
+        </p:spPr>
+        <p:txBody>
+          <a:bodyPr/>
+          <a:lstStyle/>
+          <a:p>
+            <a:pPr marL="0" marR="0" lvl="0" indent="0" algn="r" defTabSz="914400" rtl="0" eaLnBrk="1" fontAlgn="auto" latinLnBrk="0" hangingPunct="1">
+              <a:lnSpc>
+                <a:spcPct val="100000"/>
+              </a:lnSpc>
+              <a:spcBef>
+                <a:spcPts val="0"/>
+              </a:spcBef>
+              <a:spcAft>
+                <a:spcPts val="0"/>
+              </a:spcAft>
+              <a:buClrTx/>
+              <a:buSzTx/>
+              <a:buFontTx/>
+              <a:buNone/>
+              <a:tabLst/>
+              <a:defRPr/>
+            </a:pPr>
+            <a:fld id="{0776142B-53A3-4FB9-B783-82E8F5A9CAC4}" type="slidenum">
+              <a:rPr kumimoji="0" lang="en-US" sz="1200" b="0" i="0" u="none" strike="noStrike" kern="1200" cap="none" spc="0" normalizeH="0" baseline="0" noProof="0" smtClean="0">
+                <a:ln>
+                  <a:noFill/>
+                </a:ln>
+                <a:solidFill>
+                  <a:prstClr val="black">
+                    <a:tint val="75000"/>
+                  </a:prstClr>
+                </a:solidFill>
+                <a:effectLst/>
+                <a:uLnTx/>
+                <a:uFillTx/>
+                <a:latin typeface="Calibri" panose="020F0502020204030204"/>
+                <a:ea typeface="+mn-ea"/>
+                <a:cs typeface="+mn-cs"/>
+              </a:rPr>
+              <a:pPr marL="0" marR="0" lvl="0" indent="0" algn="r" defTabSz="914400" rtl="0" eaLnBrk="1" fontAlgn="auto" latinLnBrk="0" hangingPunct="1">
+                <a:lnSpc>
+                  <a:spcPct val="100000"/>
+                </a:lnSpc>
+                <a:spcBef>
+                  <a:spcPts val="0"/>
+                </a:spcBef>
+                <a:spcAft>
+                  <a:spcPts val="0"/>
+                </a:spcAft>
+                <a:buClrTx/>
+                <a:buSzTx/>
+                <a:buFontTx/>
+                <a:buNone/>
+                <a:tabLst/>
+                <a:defRPr/>
+              </a:pPr>
+              <a:t>48</a:t>
             </a:fld>
             <a:endParaRPr kumimoji="0" lang="en-US" sz="1200" b="0" i="0" u="none" strike="noStrike" kern="1200" cap="none" spc="0" normalizeH="0" baseline="0" noProof="0" dirty="0">
               <a:ln>
